--- a/Later/JavaIO/JavaIO_3/Java InputStream class.pptx
+++ b/Later/JavaIO/JavaIO_3/Java InputStream class.pptx
@@ -5,12 +5,13 @@
     <p:sldMasterId id="2147483672" r:id="rId1"/>
   </p:sldMasterIdLst>
   <p:notesMasterIdLst>
-    <p:notesMasterId r:id="rId5"/>
+    <p:notesMasterId r:id="rId6"/>
   </p:notesMasterIdLst>
   <p:sldIdLst>
     <p:sldId id="423" r:id="rId2"/>
     <p:sldId id="424" r:id="rId3"/>
     <p:sldId id="425" r:id="rId4"/>
+    <p:sldId id="426" r:id="rId5"/>
   </p:sldIdLst>
   <p:sldSz cx="9144000" cy="5029200"/>
   <p:notesSz cx="6858000" cy="9144000"/>
@@ -1252,6 +1253,13 @@
         </dgm:presLayoutVars>
       </dgm:prSet>
       <dgm:spPr/>
+      <dgm:t>
+        <a:bodyPr/>
+        <a:lstStyle/>
+        <a:p>
+          <a:endParaRPr lang="en-US"/>
+        </a:p>
+      </dgm:t>
     </dgm:pt>
     <dgm:pt modelId="{B08250E3-3F65-45FB-A875-6B1DA12D5AB2}" type="pres">
       <dgm:prSet presAssocID="{D0161CA1-9A0B-41F9-953F-DAEE67832C30}" presName="hierFlow" presStyleCnt="0"/>
@@ -1293,10 +1301,24 @@
     <dgm:pt modelId="{13987898-EBA2-4BE8-8EF4-B634C6038022}" type="pres">
       <dgm:prSet presAssocID="{A760EB09-D11F-4937-9DF1-8F912ABA75BC}" presName="Name25" presStyleLbl="parChTrans1D2" presStyleIdx="0" presStyleCnt="8"/>
       <dgm:spPr/>
+      <dgm:t>
+        <a:bodyPr/>
+        <a:lstStyle/>
+        <a:p>
+          <a:endParaRPr lang="en-US"/>
+        </a:p>
+      </dgm:t>
     </dgm:pt>
     <dgm:pt modelId="{C10C522A-3910-4BC0-A5B7-9B2797F13D5F}" type="pres">
       <dgm:prSet presAssocID="{A760EB09-D11F-4937-9DF1-8F912ABA75BC}" presName="connTx" presStyleLbl="parChTrans1D2" presStyleIdx="0" presStyleCnt="8"/>
       <dgm:spPr/>
+      <dgm:t>
+        <a:bodyPr/>
+        <a:lstStyle/>
+        <a:p>
+          <a:endParaRPr lang="en-US"/>
+        </a:p>
+      </dgm:t>
     </dgm:pt>
     <dgm:pt modelId="{541B89F7-908A-4347-9793-817E64C71895}" type="pres">
       <dgm:prSet presAssocID="{6A0A4B28-7AD8-42E6-BD26-98F7B925D91D}" presName="Name30" presStyleCnt="0"/>
@@ -1320,10 +1342,24 @@
     <dgm:pt modelId="{38AD8D5B-6EAB-441E-A4A7-2AB917DB4B57}" type="pres">
       <dgm:prSet presAssocID="{418811AE-4EFD-4FD4-A12E-FA523DF361BB}" presName="Name25" presStyleLbl="parChTrans1D2" presStyleIdx="1" presStyleCnt="8"/>
       <dgm:spPr/>
+      <dgm:t>
+        <a:bodyPr/>
+        <a:lstStyle/>
+        <a:p>
+          <a:endParaRPr lang="en-US"/>
+        </a:p>
+      </dgm:t>
     </dgm:pt>
     <dgm:pt modelId="{CCB5589F-3138-4083-A4D4-02F6E7DD4B4C}" type="pres">
       <dgm:prSet presAssocID="{418811AE-4EFD-4FD4-A12E-FA523DF361BB}" presName="connTx" presStyleLbl="parChTrans1D2" presStyleIdx="1" presStyleCnt="8"/>
       <dgm:spPr/>
+      <dgm:t>
+        <a:bodyPr/>
+        <a:lstStyle/>
+        <a:p>
+          <a:endParaRPr lang="en-US"/>
+        </a:p>
+      </dgm:t>
     </dgm:pt>
     <dgm:pt modelId="{62312368-1DB5-4867-A944-E50DD187F664}" type="pres">
       <dgm:prSet presAssocID="{81D1ED44-2BED-4724-B5CC-0A926C4910DC}" presName="Name30" presStyleCnt="0"/>
@@ -1347,10 +1383,24 @@
     <dgm:pt modelId="{2F387B0F-F939-43A3-BA5E-24A8F62A1D4F}" type="pres">
       <dgm:prSet presAssocID="{6FD47363-7041-448C-A50C-73F69EB49134}" presName="Name25" presStyleLbl="parChTrans1D2" presStyleIdx="2" presStyleCnt="8"/>
       <dgm:spPr/>
+      <dgm:t>
+        <a:bodyPr/>
+        <a:lstStyle/>
+        <a:p>
+          <a:endParaRPr lang="en-US"/>
+        </a:p>
+      </dgm:t>
     </dgm:pt>
     <dgm:pt modelId="{E5C76243-C4F1-4938-A370-282618EBB706}" type="pres">
       <dgm:prSet presAssocID="{6FD47363-7041-448C-A50C-73F69EB49134}" presName="connTx" presStyleLbl="parChTrans1D2" presStyleIdx="2" presStyleCnt="8"/>
       <dgm:spPr/>
+      <dgm:t>
+        <a:bodyPr/>
+        <a:lstStyle/>
+        <a:p>
+          <a:endParaRPr lang="en-US"/>
+        </a:p>
+      </dgm:t>
     </dgm:pt>
     <dgm:pt modelId="{7CAF37B3-BFBD-40E8-BF77-304AF0E82A9C}" type="pres">
       <dgm:prSet presAssocID="{250A56F6-C2E1-4738-8221-E50B8D533FBA}" presName="Name30" presStyleCnt="0"/>
@@ -1374,10 +1424,24 @@
     <dgm:pt modelId="{878411F4-1CF3-4203-87FF-9056C5456C7C}" type="pres">
       <dgm:prSet presAssocID="{2C3898EB-30FF-43F0-BA9E-9329ACF42D76}" presName="Name25" presStyleLbl="parChTrans1D2" presStyleIdx="3" presStyleCnt="8"/>
       <dgm:spPr/>
+      <dgm:t>
+        <a:bodyPr/>
+        <a:lstStyle/>
+        <a:p>
+          <a:endParaRPr lang="en-US"/>
+        </a:p>
+      </dgm:t>
     </dgm:pt>
     <dgm:pt modelId="{604C1708-B9B0-40D6-8933-998D1013FC04}" type="pres">
       <dgm:prSet presAssocID="{2C3898EB-30FF-43F0-BA9E-9329ACF42D76}" presName="connTx" presStyleLbl="parChTrans1D2" presStyleIdx="3" presStyleCnt="8"/>
       <dgm:spPr/>
+      <dgm:t>
+        <a:bodyPr/>
+        <a:lstStyle/>
+        <a:p>
+          <a:endParaRPr lang="en-US"/>
+        </a:p>
+      </dgm:t>
     </dgm:pt>
     <dgm:pt modelId="{A7BCC802-5BBD-41D5-BD1F-9D11307716D6}" type="pres">
       <dgm:prSet presAssocID="{4D7A30BC-CD12-4669-8C7F-FB4313619EAC}" presName="Name30" presStyleCnt="0"/>
@@ -1401,10 +1465,24 @@
     <dgm:pt modelId="{B4E1A482-DD07-4478-8641-717728E2D7B1}" type="pres">
       <dgm:prSet presAssocID="{446538A5-1AA0-403B-A043-124248D832AC}" presName="Name25" presStyleLbl="parChTrans1D2" presStyleIdx="4" presStyleCnt="8"/>
       <dgm:spPr/>
+      <dgm:t>
+        <a:bodyPr/>
+        <a:lstStyle/>
+        <a:p>
+          <a:endParaRPr lang="en-US"/>
+        </a:p>
+      </dgm:t>
     </dgm:pt>
     <dgm:pt modelId="{C615AEF1-64F6-48F2-B10A-59DFCD2490D4}" type="pres">
       <dgm:prSet presAssocID="{446538A5-1AA0-403B-A043-124248D832AC}" presName="connTx" presStyleLbl="parChTrans1D2" presStyleIdx="4" presStyleCnt="8"/>
       <dgm:spPr/>
+      <dgm:t>
+        <a:bodyPr/>
+        <a:lstStyle/>
+        <a:p>
+          <a:endParaRPr lang="en-US"/>
+        </a:p>
+      </dgm:t>
     </dgm:pt>
     <dgm:pt modelId="{3C12A821-384F-485B-988C-6121C492523F}" type="pres">
       <dgm:prSet presAssocID="{4A2A045C-3686-4092-B4BF-82E7906C49CE}" presName="Name30" presStyleCnt="0"/>
@@ -1428,10 +1506,24 @@
     <dgm:pt modelId="{9B6D8DF2-289F-491C-B6B9-17091A5D90B7}" type="pres">
       <dgm:prSet presAssocID="{7EFABF79-A0FE-4038-8664-FB205B495140}" presName="Name25" presStyleLbl="parChTrans1D2" presStyleIdx="5" presStyleCnt="8"/>
       <dgm:spPr/>
+      <dgm:t>
+        <a:bodyPr/>
+        <a:lstStyle/>
+        <a:p>
+          <a:endParaRPr lang="en-US"/>
+        </a:p>
+      </dgm:t>
     </dgm:pt>
     <dgm:pt modelId="{20D4D017-47A4-40FE-8335-258A3C83898C}" type="pres">
       <dgm:prSet presAssocID="{7EFABF79-A0FE-4038-8664-FB205B495140}" presName="connTx" presStyleLbl="parChTrans1D2" presStyleIdx="5" presStyleCnt="8"/>
       <dgm:spPr/>
+      <dgm:t>
+        <a:bodyPr/>
+        <a:lstStyle/>
+        <a:p>
+          <a:endParaRPr lang="en-US"/>
+        </a:p>
+      </dgm:t>
     </dgm:pt>
     <dgm:pt modelId="{C72442C3-6792-404B-9A2E-6965FCF84F09}" type="pres">
       <dgm:prSet presAssocID="{9468C85C-C039-4BD5-8D2A-A7A65BBE05AE}" presName="Name30" presStyleCnt="0"/>
@@ -1455,10 +1547,24 @@
     <dgm:pt modelId="{FB68339E-46D7-4E28-B19C-07E6D2D8B32C}" type="pres">
       <dgm:prSet presAssocID="{3C3E2F3B-3D45-4E0C-A047-8F13694FC9D6}" presName="Name25" presStyleLbl="parChTrans1D2" presStyleIdx="6" presStyleCnt="8"/>
       <dgm:spPr/>
+      <dgm:t>
+        <a:bodyPr/>
+        <a:lstStyle/>
+        <a:p>
+          <a:endParaRPr lang="en-US"/>
+        </a:p>
+      </dgm:t>
     </dgm:pt>
     <dgm:pt modelId="{7F1FC44D-6FF7-445F-8CC3-7CECC5137034}" type="pres">
       <dgm:prSet presAssocID="{3C3E2F3B-3D45-4E0C-A047-8F13694FC9D6}" presName="connTx" presStyleLbl="parChTrans1D2" presStyleIdx="6" presStyleCnt="8"/>
       <dgm:spPr/>
+      <dgm:t>
+        <a:bodyPr/>
+        <a:lstStyle/>
+        <a:p>
+          <a:endParaRPr lang="en-US"/>
+        </a:p>
+      </dgm:t>
     </dgm:pt>
     <dgm:pt modelId="{AA280A87-462D-4E3D-A942-D5F1692ADE4B}" type="pres">
       <dgm:prSet presAssocID="{2BDAFC3A-FD57-4DC3-A399-EFC0697797C1}" presName="Name30" presStyleCnt="0"/>
@@ -1482,10 +1588,24 @@
     <dgm:pt modelId="{49A26379-E7DC-4867-8994-1DCDFA4B54C2}" type="pres">
       <dgm:prSet presAssocID="{BF83A2F8-5697-43D6-9324-107F54BE4AB5}" presName="Name25" presStyleLbl="parChTrans1D2" presStyleIdx="7" presStyleCnt="8"/>
       <dgm:spPr/>
+      <dgm:t>
+        <a:bodyPr/>
+        <a:lstStyle/>
+        <a:p>
+          <a:endParaRPr lang="en-US"/>
+        </a:p>
+      </dgm:t>
     </dgm:pt>
     <dgm:pt modelId="{5F89D8E7-E0E2-46D3-BBC3-3205F91C0D50}" type="pres">
       <dgm:prSet presAssocID="{BF83A2F8-5697-43D6-9324-107F54BE4AB5}" presName="connTx" presStyleLbl="parChTrans1D2" presStyleIdx="7" presStyleCnt="8"/>
       <dgm:spPr/>
+      <dgm:t>
+        <a:bodyPr/>
+        <a:lstStyle/>
+        <a:p>
+          <a:endParaRPr lang="en-US"/>
+        </a:p>
+      </dgm:t>
     </dgm:pt>
     <dgm:pt modelId="{9CF24400-48D7-480C-9F9B-FA43A78E8637}" type="pres">
       <dgm:prSet presAssocID="{00A69A2D-468C-41F3-90D6-0B8B244CCB90}" presName="Name30" presStyleCnt="0"/>
@@ -1512,41 +1632,41 @@
     </dgm:pt>
   </dgm:ptLst>
   <dgm:cxnLst>
+    <dgm:cxn modelId="{B1A832BA-3F1F-4B92-BF31-61F889E00EB9}" type="presOf" srcId="{3C3E2F3B-3D45-4E0C-A047-8F13694FC9D6}" destId="{FB68339E-46D7-4E28-B19C-07E6D2D8B32C}" srcOrd="0" destOrd="0" presId="urn:microsoft.com/office/officeart/2005/8/layout/hierarchy5"/>
+    <dgm:cxn modelId="{2BB00E87-FA90-487C-A4A8-C8817D66CE3E}" type="presOf" srcId="{3C3E2F3B-3D45-4E0C-A047-8F13694FC9D6}" destId="{7F1FC44D-6FF7-445F-8CC3-7CECC5137034}" srcOrd="1" destOrd="0" presId="urn:microsoft.com/office/officeart/2005/8/layout/hierarchy5"/>
     <dgm:cxn modelId="{E9F42989-88D2-43EE-9807-910C92F48DEE}" srcId="{983A5AA2-894B-4250-B5B4-23A4F6C571C9}" destId="{250A56F6-C2E1-4738-8221-E50B8D533FBA}" srcOrd="2" destOrd="0" parTransId="{6FD47363-7041-448C-A50C-73F69EB49134}" sibTransId="{F368090B-19D9-42C9-AF68-042DDDC6CACD}"/>
+    <dgm:cxn modelId="{37579AB9-D4B2-4D12-B9AA-50F86CE96E46}" type="presOf" srcId="{418811AE-4EFD-4FD4-A12E-FA523DF361BB}" destId="{CCB5589F-3138-4083-A4D4-02F6E7DD4B4C}" srcOrd="1" destOrd="0" presId="urn:microsoft.com/office/officeart/2005/8/layout/hierarchy5"/>
+    <dgm:cxn modelId="{0028F217-62A5-4360-B85A-7BD616179E80}" type="presOf" srcId="{250A56F6-C2E1-4738-8221-E50B8D533FBA}" destId="{A3559C72-3D8A-428A-87DF-5D208791258C}" srcOrd="0" destOrd="0" presId="urn:microsoft.com/office/officeart/2005/8/layout/hierarchy5"/>
+    <dgm:cxn modelId="{32871E6D-4148-4843-9026-914F7C413E99}" type="presOf" srcId="{BF83A2F8-5697-43D6-9324-107F54BE4AB5}" destId="{49A26379-E7DC-4867-8994-1DCDFA4B54C2}" srcOrd="0" destOrd="0" presId="urn:microsoft.com/office/officeart/2005/8/layout/hierarchy5"/>
+    <dgm:cxn modelId="{8AB9585B-AE5D-4530-B7F5-6280669EFAA8}" type="presOf" srcId="{A760EB09-D11F-4937-9DF1-8F912ABA75BC}" destId="{C10C522A-3910-4BC0-A5B7-9B2797F13D5F}" srcOrd="1" destOrd="0" presId="urn:microsoft.com/office/officeart/2005/8/layout/hierarchy5"/>
+    <dgm:cxn modelId="{CF968E3B-3B02-47CB-8708-F6B044A425E9}" srcId="{983A5AA2-894B-4250-B5B4-23A4F6C571C9}" destId="{00A69A2D-468C-41F3-90D6-0B8B244CCB90}" srcOrd="7" destOrd="0" parTransId="{BF83A2F8-5697-43D6-9324-107F54BE4AB5}" sibTransId="{A940EFEE-8AFA-4A87-BE4E-20606A7F681F}"/>
+    <dgm:cxn modelId="{BB067E38-3B3A-4F93-B739-03042FF754D6}" type="presOf" srcId="{BF83A2F8-5697-43D6-9324-107F54BE4AB5}" destId="{5F89D8E7-E0E2-46D3-BBC3-3205F91C0D50}" srcOrd="1" destOrd="0" presId="urn:microsoft.com/office/officeart/2005/8/layout/hierarchy5"/>
+    <dgm:cxn modelId="{CA62357A-D0FD-4A04-A857-43C67B8AAA9F}" srcId="{983A5AA2-894B-4250-B5B4-23A4F6C571C9}" destId="{9468C85C-C039-4BD5-8D2A-A7A65BBE05AE}" srcOrd="5" destOrd="0" parTransId="{7EFABF79-A0FE-4038-8664-FB205B495140}" sibTransId="{6651B3C6-D679-439F-A3B4-0D8F89B54554}"/>
+    <dgm:cxn modelId="{A6E41257-088C-4DED-B31F-B3D84072F7F6}" srcId="{983A5AA2-894B-4250-B5B4-23A4F6C571C9}" destId="{4D7A30BC-CD12-4669-8C7F-FB4313619EAC}" srcOrd="3" destOrd="0" parTransId="{2C3898EB-30FF-43F0-BA9E-9329ACF42D76}" sibTransId="{299008DF-A204-4BC8-935E-E7B1EF4E57DE}"/>
+    <dgm:cxn modelId="{7456D5D6-8095-4A27-B339-ABC84CC88631}" srcId="{983A5AA2-894B-4250-B5B4-23A4F6C571C9}" destId="{81D1ED44-2BED-4724-B5CC-0A926C4910DC}" srcOrd="1" destOrd="0" parTransId="{418811AE-4EFD-4FD4-A12E-FA523DF361BB}" sibTransId="{D71141D3-378C-44E5-85C9-ADBAE52F60FC}"/>
+    <dgm:cxn modelId="{ED2A0432-866C-4B46-AA8B-39BCCA4799BA}" type="presOf" srcId="{446538A5-1AA0-403B-A043-124248D832AC}" destId="{C615AEF1-64F6-48F2-B10A-59DFCD2490D4}" srcOrd="1" destOrd="0" presId="urn:microsoft.com/office/officeart/2005/8/layout/hierarchy5"/>
+    <dgm:cxn modelId="{59A7D4AD-FA46-41C7-B690-37EE9CCA1211}" type="presOf" srcId="{A760EB09-D11F-4937-9DF1-8F912ABA75BC}" destId="{13987898-EBA2-4BE8-8EF4-B634C6038022}" srcOrd="0" destOrd="0" presId="urn:microsoft.com/office/officeart/2005/8/layout/hierarchy5"/>
+    <dgm:cxn modelId="{7E147168-59E5-4D37-84A9-25EC8E98DBB0}" srcId="{D0161CA1-9A0B-41F9-953F-DAEE67832C30}" destId="{983A5AA2-894B-4250-B5B4-23A4F6C571C9}" srcOrd="0" destOrd="0" parTransId="{12BF3CFB-393B-4E5A-92A1-1F488F8F4BE9}" sibTransId="{512B5DDD-125C-498D-8021-07EF58EB4092}"/>
+    <dgm:cxn modelId="{6E1BBC1F-5164-461A-B929-664B81F25BDE}" srcId="{983A5AA2-894B-4250-B5B4-23A4F6C571C9}" destId="{4A2A045C-3686-4092-B4BF-82E7906C49CE}" srcOrd="4" destOrd="0" parTransId="{446538A5-1AA0-403B-A043-124248D832AC}" sibTransId="{CAF4A501-85C4-408D-B3D4-F0EB326CAC8E}"/>
+    <dgm:cxn modelId="{00F11A06-5D69-4F24-B050-B8BCD79AB823}" type="presOf" srcId="{418811AE-4EFD-4FD4-A12E-FA523DF361BB}" destId="{38AD8D5B-6EAB-441E-A4A7-2AB917DB4B57}" srcOrd="0" destOrd="0" presId="urn:microsoft.com/office/officeart/2005/8/layout/hierarchy5"/>
+    <dgm:cxn modelId="{C738B7F3-0BC4-403C-B946-4827B84BE9FF}" type="presOf" srcId="{7EFABF79-A0FE-4038-8664-FB205B495140}" destId="{9B6D8DF2-289F-491C-B6B9-17091A5D90B7}" srcOrd="0" destOrd="0" presId="urn:microsoft.com/office/officeart/2005/8/layout/hierarchy5"/>
+    <dgm:cxn modelId="{935C9F42-C123-42A7-B47B-275CD9AAB188}" type="presOf" srcId="{6FD47363-7041-448C-A50C-73F69EB49134}" destId="{2F387B0F-F939-43A3-BA5E-24A8F62A1D4F}" srcOrd="0" destOrd="0" presId="urn:microsoft.com/office/officeart/2005/8/layout/hierarchy5"/>
     <dgm:cxn modelId="{85EF15B1-AFA5-4311-87A7-E4BB71A160B2}" type="presOf" srcId="{7EFABF79-A0FE-4038-8664-FB205B495140}" destId="{20D4D017-47A4-40FE-8335-258A3C83898C}" srcOrd="1" destOrd="0" presId="urn:microsoft.com/office/officeart/2005/8/layout/hierarchy5"/>
-    <dgm:cxn modelId="{8AB9585B-AE5D-4530-B7F5-6280669EFAA8}" type="presOf" srcId="{A760EB09-D11F-4937-9DF1-8F912ABA75BC}" destId="{C10C522A-3910-4BC0-A5B7-9B2797F13D5F}" srcOrd="1" destOrd="0" presId="urn:microsoft.com/office/officeart/2005/8/layout/hierarchy5"/>
+    <dgm:cxn modelId="{19DFA978-C17B-487C-8DDD-FB00D54887A1}" type="presOf" srcId="{2C3898EB-30FF-43F0-BA9E-9329ACF42D76}" destId="{878411F4-1CF3-4203-87FF-9056C5456C7C}" srcOrd="0" destOrd="0" presId="urn:microsoft.com/office/officeart/2005/8/layout/hierarchy5"/>
+    <dgm:cxn modelId="{57BA580B-1CA1-4B6F-9865-C9258B75D1FC}" type="presOf" srcId="{6FD47363-7041-448C-A50C-73F69EB49134}" destId="{E5C76243-C4F1-4938-A370-282618EBB706}" srcOrd="1" destOrd="0" presId="urn:microsoft.com/office/officeart/2005/8/layout/hierarchy5"/>
+    <dgm:cxn modelId="{F9CBD1BE-5025-4723-B8C4-E183BD3A6EA9}" type="presOf" srcId="{9468C85C-C039-4BD5-8D2A-A7A65BBE05AE}" destId="{DF54C0A1-E02D-4558-9A0D-60A86C7A86D4}" srcOrd="0" destOrd="0" presId="urn:microsoft.com/office/officeart/2005/8/layout/hierarchy5"/>
+    <dgm:cxn modelId="{33DAE313-8807-4F5A-8825-48C04C06DBE6}" type="presOf" srcId="{4A2A045C-3686-4092-B4BF-82E7906C49CE}" destId="{1AFBC6F5-1653-4A86-ACD5-20946C5D3CCC}" srcOrd="0" destOrd="0" presId="urn:microsoft.com/office/officeart/2005/8/layout/hierarchy5"/>
+    <dgm:cxn modelId="{E236E31B-2B58-4159-ABB3-494851B22330}" type="presOf" srcId="{446538A5-1AA0-403B-A043-124248D832AC}" destId="{B4E1A482-DD07-4478-8641-717728E2D7B1}" srcOrd="0" destOrd="0" presId="urn:microsoft.com/office/officeart/2005/8/layout/hierarchy5"/>
+    <dgm:cxn modelId="{6F4D758A-D3A0-411A-83D8-6953432D49A4}" type="presOf" srcId="{81D1ED44-2BED-4724-B5CC-0A926C4910DC}" destId="{6D063357-27B6-4614-B95C-7148FED3A3E6}" srcOrd="0" destOrd="0" presId="urn:microsoft.com/office/officeart/2005/8/layout/hierarchy5"/>
     <dgm:cxn modelId="{32DC4987-3F39-4EC6-B9A3-7CC3310692B4}" type="presOf" srcId="{00A69A2D-468C-41F3-90D6-0B8B244CCB90}" destId="{B583779A-7B8C-4AE2-9E2D-8D8F35D2D5A5}" srcOrd="0" destOrd="0" presId="urn:microsoft.com/office/officeart/2005/8/layout/hierarchy5"/>
-    <dgm:cxn modelId="{ED2A0432-866C-4B46-AA8B-39BCCA4799BA}" type="presOf" srcId="{446538A5-1AA0-403B-A043-124248D832AC}" destId="{C615AEF1-64F6-48F2-B10A-59DFCD2490D4}" srcOrd="1" destOrd="0" presId="urn:microsoft.com/office/officeart/2005/8/layout/hierarchy5"/>
-    <dgm:cxn modelId="{F9CBD1BE-5025-4723-B8C4-E183BD3A6EA9}" type="presOf" srcId="{9468C85C-C039-4BD5-8D2A-A7A65BBE05AE}" destId="{DF54C0A1-E02D-4558-9A0D-60A86C7A86D4}" srcOrd="0" destOrd="0" presId="urn:microsoft.com/office/officeart/2005/8/layout/hierarchy5"/>
+    <dgm:cxn modelId="{BC12EECA-AD45-4612-B897-5A36902742AB}" type="presOf" srcId="{983A5AA2-894B-4250-B5B4-23A4F6C571C9}" destId="{7D753CCB-C724-4406-B454-1C67FA1CE5F6}" srcOrd="0" destOrd="0" presId="urn:microsoft.com/office/officeart/2005/8/layout/hierarchy5"/>
+    <dgm:cxn modelId="{F6AEFE4B-314A-4FA4-B200-84FF23410C83}" type="presOf" srcId="{4D7A30BC-CD12-4669-8C7F-FB4313619EAC}" destId="{9EA69277-EEBF-44D0-ACF6-852F2FCE26EE}" srcOrd="0" destOrd="0" presId="urn:microsoft.com/office/officeart/2005/8/layout/hierarchy5"/>
+    <dgm:cxn modelId="{FD75E9C6-0E3D-49AE-B0B7-8ADEFC473ABE}" type="presOf" srcId="{D0161CA1-9A0B-41F9-953F-DAEE67832C30}" destId="{9F3597DC-E031-4D83-8BA5-DE8D5518DD58}" srcOrd="0" destOrd="0" presId="urn:microsoft.com/office/officeart/2005/8/layout/hierarchy5"/>
     <dgm:cxn modelId="{B15EB905-A2F0-476A-81CE-D225611D9FB2}" type="presOf" srcId="{2C3898EB-30FF-43F0-BA9E-9329ACF42D76}" destId="{604C1708-B9B0-40D6-8933-998D1013FC04}" srcOrd="1" destOrd="0" presId="urn:microsoft.com/office/officeart/2005/8/layout/hierarchy5"/>
-    <dgm:cxn modelId="{B1A832BA-3F1F-4B92-BF31-61F889E00EB9}" type="presOf" srcId="{3C3E2F3B-3D45-4E0C-A047-8F13694FC9D6}" destId="{FB68339E-46D7-4E28-B19C-07E6D2D8B32C}" srcOrd="0" destOrd="0" presId="urn:microsoft.com/office/officeart/2005/8/layout/hierarchy5"/>
+    <dgm:cxn modelId="{791FD4FA-7C45-49FB-ABB5-AEF14C9FA057}" srcId="{983A5AA2-894B-4250-B5B4-23A4F6C571C9}" destId="{2BDAFC3A-FD57-4DC3-A399-EFC0697797C1}" srcOrd="6" destOrd="0" parTransId="{3C3E2F3B-3D45-4E0C-A047-8F13694FC9D6}" sibTransId="{FDB0F096-7B98-4E10-802F-9A61CE335245}"/>
     <dgm:cxn modelId="{F2159F30-BA4E-40FF-B040-1FDEADCBD466}" srcId="{983A5AA2-894B-4250-B5B4-23A4F6C571C9}" destId="{6A0A4B28-7AD8-42E6-BD26-98F7B925D91D}" srcOrd="0" destOrd="0" parTransId="{A760EB09-D11F-4937-9DF1-8F912ABA75BC}" sibTransId="{C54EE0E0-C456-4E65-9BF7-64E6ACC3D124}"/>
-    <dgm:cxn modelId="{791FD4FA-7C45-49FB-ABB5-AEF14C9FA057}" srcId="{983A5AA2-894B-4250-B5B4-23A4F6C571C9}" destId="{2BDAFC3A-FD57-4DC3-A399-EFC0697797C1}" srcOrd="6" destOrd="0" parTransId="{3C3E2F3B-3D45-4E0C-A047-8F13694FC9D6}" sibTransId="{FDB0F096-7B98-4E10-802F-9A61CE335245}"/>
-    <dgm:cxn modelId="{E236E31B-2B58-4159-ABB3-494851B22330}" type="presOf" srcId="{446538A5-1AA0-403B-A043-124248D832AC}" destId="{B4E1A482-DD07-4478-8641-717728E2D7B1}" srcOrd="0" destOrd="0" presId="urn:microsoft.com/office/officeart/2005/8/layout/hierarchy5"/>
-    <dgm:cxn modelId="{7E147168-59E5-4D37-84A9-25EC8E98DBB0}" srcId="{D0161CA1-9A0B-41F9-953F-DAEE67832C30}" destId="{983A5AA2-894B-4250-B5B4-23A4F6C571C9}" srcOrd="0" destOrd="0" parTransId="{12BF3CFB-393B-4E5A-92A1-1F488F8F4BE9}" sibTransId="{512B5DDD-125C-498D-8021-07EF58EB4092}"/>
-    <dgm:cxn modelId="{935C9F42-C123-42A7-B47B-275CD9AAB188}" type="presOf" srcId="{6FD47363-7041-448C-A50C-73F69EB49134}" destId="{2F387B0F-F939-43A3-BA5E-24A8F62A1D4F}" srcOrd="0" destOrd="0" presId="urn:microsoft.com/office/officeart/2005/8/layout/hierarchy5"/>
-    <dgm:cxn modelId="{FD75E9C6-0E3D-49AE-B0B7-8ADEFC473ABE}" type="presOf" srcId="{D0161CA1-9A0B-41F9-953F-DAEE67832C30}" destId="{9F3597DC-E031-4D83-8BA5-DE8D5518DD58}" srcOrd="0" destOrd="0" presId="urn:microsoft.com/office/officeart/2005/8/layout/hierarchy5"/>
     <dgm:cxn modelId="{32E1289B-49E5-4C53-BB6B-5F313BF1515C}" type="presOf" srcId="{6A0A4B28-7AD8-42E6-BD26-98F7B925D91D}" destId="{39E9A4A0-999A-49DE-871C-932B1E436155}" srcOrd="0" destOrd="0" presId="urn:microsoft.com/office/officeart/2005/8/layout/hierarchy5"/>
-    <dgm:cxn modelId="{6F4D758A-D3A0-411A-83D8-6953432D49A4}" type="presOf" srcId="{81D1ED44-2BED-4724-B5CC-0A926C4910DC}" destId="{6D063357-27B6-4614-B95C-7148FED3A3E6}" srcOrd="0" destOrd="0" presId="urn:microsoft.com/office/officeart/2005/8/layout/hierarchy5"/>
-    <dgm:cxn modelId="{37579AB9-D4B2-4D12-B9AA-50F86CE96E46}" type="presOf" srcId="{418811AE-4EFD-4FD4-A12E-FA523DF361BB}" destId="{CCB5589F-3138-4083-A4D4-02F6E7DD4B4C}" srcOrd="1" destOrd="0" presId="urn:microsoft.com/office/officeart/2005/8/layout/hierarchy5"/>
-    <dgm:cxn modelId="{BB067E38-3B3A-4F93-B739-03042FF754D6}" type="presOf" srcId="{BF83A2F8-5697-43D6-9324-107F54BE4AB5}" destId="{5F89D8E7-E0E2-46D3-BBC3-3205F91C0D50}" srcOrd="1" destOrd="0" presId="urn:microsoft.com/office/officeart/2005/8/layout/hierarchy5"/>
-    <dgm:cxn modelId="{00F11A06-5D69-4F24-B050-B8BCD79AB823}" type="presOf" srcId="{418811AE-4EFD-4FD4-A12E-FA523DF361BB}" destId="{38AD8D5B-6EAB-441E-A4A7-2AB917DB4B57}" srcOrd="0" destOrd="0" presId="urn:microsoft.com/office/officeart/2005/8/layout/hierarchy5"/>
-    <dgm:cxn modelId="{F6AEFE4B-314A-4FA4-B200-84FF23410C83}" type="presOf" srcId="{4D7A30BC-CD12-4669-8C7F-FB4313619EAC}" destId="{9EA69277-EEBF-44D0-ACF6-852F2FCE26EE}" srcOrd="0" destOrd="0" presId="urn:microsoft.com/office/officeart/2005/8/layout/hierarchy5"/>
-    <dgm:cxn modelId="{32871E6D-4148-4843-9026-914F7C413E99}" type="presOf" srcId="{BF83A2F8-5697-43D6-9324-107F54BE4AB5}" destId="{49A26379-E7DC-4867-8994-1DCDFA4B54C2}" srcOrd="0" destOrd="0" presId="urn:microsoft.com/office/officeart/2005/8/layout/hierarchy5"/>
-    <dgm:cxn modelId="{CF968E3B-3B02-47CB-8708-F6B044A425E9}" srcId="{983A5AA2-894B-4250-B5B4-23A4F6C571C9}" destId="{00A69A2D-468C-41F3-90D6-0B8B244CCB90}" srcOrd="7" destOrd="0" parTransId="{BF83A2F8-5697-43D6-9324-107F54BE4AB5}" sibTransId="{A940EFEE-8AFA-4A87-BE4E-20606A7F681F}"/>
-    <dgm:cxn modelId="{59A7D4AD-FA46-41C7-B690-37EE9CCA1211}" type="presOf" srcId="{A760EB09-D11F-4937-9DF1-8F912ABA75BC}" destId="{13987898-EBA2-4BE8-8EF4-B634C6038022}" srcOrd="0" destOrd="0" presId="urn:microsoft.com/office/officeart/2005/8/layout/hierarchy5"/>
-    <dgm:cxn modelId="{CA62357A-D0FD-4A04-A857-43C67B8AAA9F}" srcId="{983A5AA2-894B-4250-B5B4-23A4F6C571C9}" destId="{9468C85C-C039-4BD5-8D2A-A7A65BBE05AE}" srcOrd="5" destOrd="0" parTransId="{7EFABF79-A0FE-4038-8664-FB205B495140}" sibTransId="{6651B3C6-D679-439F-A3B4-0D8F89B54554}"/>
     <dgm:cxn modelId="{CA6C73C4-D657-4D4C-B050-04D9C00FA0B7}" type="presOf" srcId="{2BDAFC3A-FD57-4DC3-A399-EFC0697797C1}" destId="{4361840F-1FD4-480A-A199-1888D2BBE453}" srcOrd="0" destOrd="0" presId="urn:microsoft.com/office/officeart/2005/8/layout/hierarchy5"/>
-    <dgm:cxn modelId="{BC12EECA-AD45-4612-B897-5A36902742AB}" type="presOf" srcId="{983A5AA2-894B-4250-B5B4-23A4F6C571C9}" destId="{7D753CCB-C724-4406-B454-1C67FA1CE5F6}" srcOrd="0" destOrd="0" presId="urn:microsoft.com/office/officeart/2005/8/layout/hierarchy5"/>
-    <dgm:cxn modelId="{6E1BBC1F-5164-461A-B929-664B81F25BDE}" srcId="{983A5AA2-894B-4250-B5B4-23A4F6C571C9}" destId="{4A2A045C-3686-4092-B4BF-82E7906C49CE}" srcOrd="4" destOrd="0" parTransId="{446538A5-1AA0-403B-A043-124248D832AC}" sibTransId="{CAF4A501-85C4-408D-B3D4-F0EB326CAC8E}"/>
-    <dgm:cxn modelId="{19DFA978-C17B-487C-8DDD-FB00D54887A1}" type="presOf" srcId="{2C3898EB-30FF-43F0-BA9E-9329ACF42D76}" destId="{878411F4-1CF3-4203-87FF-9056C5456C7C}" srcOrd="0" destOrd="0" presId="urn:microsoft.com/office/officeart/2005/8/layout/hierarchy5"/>
-    <dgm:cxn modelId="{33DAE313-8807-4F5A-8825-48C04C06DBE6}" type="presOf" srcId="{4A2A045C-3686-4092-B4BF-82E7906C49CE}" destId="{1AFBC6F5-1653-4A86-ACD5-20946C5D3CCC}" srcOrd="0" destOrd="0" presId="urn:microsoft.com/office/officeart/2005/8/layout/hierarchy5"/>
-    <dgm:cxn modelId="{C738B7F3-0BC4-403C-B946-4827B84BE9FF}" type="presOf" srcId="{7EFABF79-A0FE-4038-8664-FB205B495140}" destId="{9B6D8DF2-289F-491C-B6B9-17091A5D90B7}" srcOrd="0" destOrd="0" presId="urn:microsoft.com/office/officeart/2005/8/layout/hierarchy5"/>
-    <dgm:cxn modelId="{57BA580B-1CA1-4B6F-9865-C9258B75D1FC}" type="presOf" srcId="{6FD47363-7041-448C-A50C-73F69EB49134}" destId="{E5C76243-C4F1-4938-A370-282618EBB706}" srcOrd="1" destOrd="0" presId="urn:microsoft.com/office/officeart/2005/8/layout/hierarchy5"/>
-    <dgm:cxn modelId="{2BB00E87-FA90-487C-A4A8-C8817D66CE3E}" type="presOf" srcId="{3C3E2F3B-3D45-4E0C-A047-8F13694FC9D6}" destId="{7F1FC44D-6FF7-445F-8CC3-7CECC5137034}" srcOrd="1" destOrd="0" presId="urn:microsoft.com/office/officeart/2005/8/layout/hierarchy5"/>
-    <dgm:cxn modelId="{7456D5D6-8095-4A27-B339-ABC84CC88631}" srcId="{983A5AA2-894B-4250-B5B4-23A4F6C571C9}" destId="{81D1ED44-2BED-4724-B5CC-0A926C4910DC}" srcOrd="1" destOrd="0" parTransId="{418811AE-4EFD-4FD4-A12E-FA523DF361BB}" sibTransId="{D71141D3-378C-44E5-85C9-ADBAE52F60FC}"/>
-    <dgm:cxn modelId="{A6E41257-088C-4DED-B31F-B3D84072F7F6}" srcId="{983A5AA2-894B-4250-B5B4-23A4F6C571C9}" destId="{4D7A30BC-CD12-4669-8C7F-FB4313619EAC}" srcOrd="3" destOrd="0" parTransId="{2C3898EB-30FF-43F0-BA9E-9329ACF42D76}" sibTransId="{299008DF-A204-4BC8-935E-E7B1EF4E57DE}"/>
-    <dgm:cxn modelId="{0028F217-62A5-4360-B85A-7BD616179E80}" type="presOf" srcId="{250A56F6-C2E1-4738-8221-E50B8D533FBA}" destId="{A3559C72-3D8A-428A-87DF-5D208791258C}" srcOrd="0" destOrd="0" presId="urn:microsoft.com/office/officeart/2005/8/layout/hierarchy5"/>
     <dgm:cxn modelId="{9279B6AE-9D1F-473D-AB91-8330F33342C3}" type="presParOf" srcId="{9F3597DC-E031-4D83-8BA5-DE8D5518DD58}" destId="{B08250E3-3F65-45FB-A875-6B1DA12D5AB2}" srcOrd="0" destOrd="0" presId="urn:microsoft.com/office/officeart/2005/8/layout/hierarchy5"/>
     <dgm:cxn modelId="{F9D65268-A025-421D-B865-18E46DA2561B}" type="presParOf" srcId="{B08250E3-3F65-45FB-A875-6B1DA12D5AB2}" destId="{93C517F7-A369-417E-97D7-B9A6F36009E4}" srcOrd="0" destOrd="0" presId="urn:microsoft.com/office/officeart/2005/8/layout/hierarchy5"/>
     <dgm:cxn modelId="{EE102100-B4D4-4B39-A26C-A376A0BA2EB2}" type="presParOf" srcId="{93C517F7-A369-417E-97D7-B9A6F36009E4}" destId="{9B62C6E6-FD31-4372-BD4F-201C1E604B4A}" srcOrd="0" destOrd="0" presId="urn:microsoft.com/office/officeart/2005/8/layout/hierarchy5"/>
@@ -4641,7 +4761,7 @@
           <a:p>
             <a:fld id="{62274EC6-3890-417B-9308-14EFBD00FA63}" type="datetimeFigureOut">
               <a:rPr lang="en-US" smtClean="0"/>
-              <a:t>6/13/2016</a:t>
+              <a:t>6/14/2016</a:t>
             </a:fld>
             <a:endParaRPr lang="en-US" dirty="0"/>
           </a:p>
@@ -5176,6 +5296,95 @@
 </p:notes>
 </file>
 
+<file path=ppt/notesSlides/notesSlide4.xml><?xml version="1.0" encoding="utf-8"?>
+<p:notes xmlns:a="http://schemas.openxmlformats.org/drawingml/2006/main" xmlns:r="http://schemas.openxmlformats.org/officeDocument/2006/relationships" xmlns:p="http://schemas.openxmlformats.org/presentationml/2006/main">
+  <p:cSld>
+    <p:spTree>
+      <p:nvGrpSpPr>
+        <p:cNvPr id="1" name=""/>
+        <p:cNvGrpSpPr/>
+        <p:nvPr/>
+      </p:nvGrpSpPr>
+      <p:grpSpPr>
+        <a:xfrm>
+          <a:off x="0" y="0"/>
+          <a:ext cx="0" cy="0"/>
+          <a:chOff x="0" y="0"/>
+          <a:chExt cx="0" cy="0"/>
+        </a:xfrm>
+      </p:grpSpPr>
+      <p:sp>
+        <p:nvSpPr>
+          <p:cNvPr id="2" name="Slide Image Placeholder 1"/>
+          <p:cNvSpPr>
+            <a:spLocks noGrp="1" noRot="1" noChangeAspect="1"/>
+          </p:cNvSpPr>
+          <p:nvPr>
+            <p:ph type="sldImg"/>
+          </p:nvPr>
+        </p:nvSpPr>
+        <p:spPr>
+          <a:xfrm>
+            <a:off x="312738" y="685800"/>
+            <a:ext cx="6232525" cy="3429000"/>
+          </a:xfrm>
+        </p:spPr>
+      </p:sp>
+      <p:sp>
+        <p:nvSpPr>
+          <p:cNvPr id="3" name="Notes Placeholder 2"/>
+          <p:cNvSpPr>
+            <a:spLocks noGrp="1"/>
+          </p:cNvSpPr>
+          <p:nvPr>
+            <p:ph type="body" idx="1"/>
+          </p:nvPr>
+        </p:nvSpPr>
+        <p:spPr/>
+        <p:txBody>
+          <a:bodyPr/>
+          <a:lstStyle/>
+          <a:p>
+            <a:endParaRPr lang="en-US" dirty="0"/>
+          </a:p>
+        </p:txBody>
+      </p:sp>
+      <p:sp>
+        <p:nvSpPr>
+          <p:cNvPr id="4" name="Slide Number Placeholder 3"/>
+          <p:cNvSpPr>
+            <a:spLocks noGrp="1"/>
+          </p:cNvSpPr>
+          <p:nvPr>
+            <p:ph type="sldNum" sz="quarter" idx="10"/>
+          </p:nvPr>
+        </p:nvSpPr>
+        <p:spPr/>
+        <p:txBody>
+          <a:bodyPr/>
+          <a:lstStyle/>
+          <a:p>
+            <a:fld id="{A883C400-BD9D-4609-A213-F91E9750031E}" type="slidenum">
+              <a:rPr lang="en-US" smtClean="0"/>
+              <a:t>4</a:t>
+            </a:fld>
+            <a:endParaRPr lang="en-US" dirty="0"/>
+          </a:p>
+        </p:txBody>
+      </p:sp>
+    </p:spTree>
+    <p:extLst>
+      <p:ext uri="{BB962C8B-B14F-4D97-AF65-F5344CB8AC3E}">
+        <p14:creationId xmlns:p14="http://schemas.microsoft.com/office/powerpoint/2010/main" val="4195558700"/>
+      </p:ext>
+    </p:extLst>
+  </p:cSld>
+  <p:clrMapOvr>
+    <a:masterClrMapping/>
+  </p:clrMapOvr>
+</p:notes>
+</file>
+
 <file path=ppt/slideLayouts/slideLayout1.xml><?xml version="1.0" encoding="utf-8"?>
 <p:sldLayout xmlns:a="http://schemas.openxmlformats.org/drawingml/2006/main" xmlns:r="http://schemas.openxmlformats.org/officeDocument/2006/relationships" xmlns:p="http://schemas.openxmlformats.org/presentationml/2006/main" type="title" preserve="1">
   <p:cSld name="Title Slide">
@@ -5358,7 +5567,7 @@
             <a:fld id="{1D8BD707-D9CF-40AE-B4C6-C98DA3205C09}" type="datetimeFigureOut">
               <a:rPr lang="en-US" smtClean="0"/>
               <a:pPr/>
-              <a:t>6/13/2016</a:t>
+              <a:t>6/14/2016</a:t>
             </a:fld>
             <a:endParaRPr lang="en-US" dirty="0"/>
           </a:p>
@@ -5530,7 +5739,7 @@
             <a:fld id="{1D8BD707-D9CF-40AE-B4C6-C98DA3205C09}" type="datetimeFigureOut">
               <a:rPr lang="en-US" smtClean="0"/>
               <a:pPr/>
-              <a:t>6/13/2016</a:t>
+              <a:t>6/14/2016</a:t>
             </a:fld>
             <a:endParaRPr lang="en-US" dirty="0"/>
           </a:p>
@@ -5712,7 +5921,7 @@
             <a:fld id="{1D8BD707-D9CF-40AE-B4C6-C98DA3205C09}" type="datetimeFigureOut">
               <a:rPr lang="en-US" smtClean="0"/>
               <a:pPr/>
-              <a:t>6/13/2016</a:t>
+              <a:t>6/14/2016</a:t>
             </a:fld>
             <a:endParaRPr lang="en-US" dirty="0"/>
           </a:p>
@@ -5884,7 +6093,7 @@
             <a:fld id="{1D8BD707-D9CF-40AE-B4C6-C98DA3205C09}" type="datetimeFigureOut">
               <a:rPr lang="en-US" smtClean="0"/>
               <a:pPr/>
-              <a:t>6/13/2016</a:t>
+              <a:t>6/14/2016</a:t>
             </a:fld>
             <a:endParaRPr lang="en-US" dirty="0"/>
           </a:p>
@@ -6132,7 +6341,7 @@
             <a:fld id="{1D8BD707-D9CF-40AE-B4C6-C98DA3205C09}" type="datetimeFigureOut">
               <a:rPr lang="en-US" smtClean="0"/>
               <a:pPr/>
-              <a:t>6/13/2016</a:t>
+              <a:t>6/14/2016</a:t>
             </a:fld>
             <a:endParaRPr lang="en-US" dirty="0"/>
           </a:p>
@@ -6422,7 +6631,7 @@
             <a:fld id="{1D8BD707-D9CF-40AE-B4C6-C98DA3205C09}" type="datetimeFigureOut">
               <a:rPr lang="en-US" smtClean="0"/>
               <a:pPr/>
-              <a:t>6/13/2016</a:t>
+              <a:t>6/14/2016</a:t>
             </a:fld>
             <a:endParaRPr lang="en-US" dirty="0"/>
           </a:p>
@@ -6851,7 +7060,7 @@
             <a:fld id="{1D8BD707-D9CF-40AE-B4C6-C98DA3205C09}" type="datetimeFigureOut">
               <a:rPr lang="en-US" smtClean="0"/>
               <a:pPr/>
-              <a:t>6/13/2016</a:t>
+              <a:t>6/14/2016</a:t>
             </a:fld>
             <a:endParaRPr lang="en-US" dirty="0"/>
           </a:p>
@@ -6971,7 +7180,7 @@
             <a:fld id="{1D8BD707-D9CF-40AE-B4C6-C98DA3205C09}" type="datetimeFigureOut">
               <a:rPr lang="en-US" smtClean="0"/>
               <a:pPr/>
-              <a:t>6/13/2016</a:t>
+              <a:t>6/14/2016</a:t>
             </a:fld>
             <a:endParaRPr lang="en-US" dirty="0"/>
           </a:p>
@@ -7068,7 +7277,7 @@
             <a:fld id="{1D8BD707-D9CF-40AE-B4C6-C98DA3205C09}" type="datetimeFigureOut">
               <a:rPr lang="en-US" smtClean="0"/>
               <a:pPr/>
-              <a:t>6/13/2016</a:t>
+              <a:t>6/14/2016</a:t>
             </a:fld>
             <a:endParaRPr lang="en-US" dirty="0"/>
           </a:p>
@@ -7347,7 +7556,7 @@
             <a:fld id="{1D8BD707-D9CF-40AE-B4C6-C98DA3205C09}" type="datetimeFigureOut">
               <a:rPr lang="en-US" smtClean="0"/>
               <a:pPr/>
-              <a:t>6/13/2016</a:t>
+              <a:t>6/14/2016</a:t>
             </a:fld>
             <a:endParaRPr lang="en-US" dirty="0"/>
           </a:p>
@@ -7602,7 +7811,7 @@
             <a:fld id="{1D8BD707-D9CF-40AE-B4C6-C98DA3205C09}" type="datetimeFigureOut">
               <a:rPr lang="en-US" smtClean="0"/>
               <a:pPr/>
-              <a:t>6/13/2016</a:t>
+              <a:t>6/14/2016</a:t>
             </a:fld>
             <a:endParaRPr lang="en-US" dirty="0"/>
           </a:p>
@@ -7817,7 +8026,7 @@
             <a:fld id="{1D8BD707-D9CF-40AE-B4C6-C98DA3205C09}" type="datetimeFigureOut">
               <a:rPr lang="en-US" smtClean="0"/>
               <a:pPr/>
-              <a:t>6/13/2016</a:t>
+              <a:t>6/14/2016</a:t>
             </a:fld>
             <a:endParaRPr lang="en-US" dirty="0"/>
           </a:p>
@@ -8715,6 +8924,127 @@
     <p:extLst>
       <p:ext uri="{BB962C8B-B14F-4D97-AF65-F5344CB8AC3E}">
         <p14:creationId xmlns:p14="http://schemas.microsoft.com/office/powerpoint/2010/main" val="2640803467"/>
+      </p:ext>
+    </p:extLst>
+  </p:cSld>
+  <p:clrMapOvr>
+    <a:masterClrMapping/>
+  </p:clrMapOvr>
+  <mc:AlternateContent xmlns:mc="http://schemas.openxmlformats.org/markup-compatibility/2006" xmlns:p14="http://schemas.microsoft.com/office/powerpoint/2010/main">
+    <mc:Choice Requires="p14">
+      <p:transition spd="slow" p14:dur="2000"/>
+    </mc:Choice>
+    <mc:Fallback xmlns="">
+      <p:transition spd="slow"/>
+    </mc:Fallback>
+  </mc:AlternateContent>
+  <p:timing>
+    <p:tnLst>
+      <p:par>
+        <p:cTn id="1" dur="indefinite" restart="never" nodeType="tmRoot"/>
+      </p:par>
+    </p:tnLst>
+  </p:timing>
+</p:sld>
+</file>
+
+<file path=ppt/slides/slide4.xml><?xml version="1.0" encoding="utf-8"?>
+<p:sld xmlns:a="http://schemas.openxmlformats.org/drawingml/2006/main" xmlns:r="http://schemas.openxmlformats.org/officeDocument/2006/relationships" xmlns:p="http://schemas.openxmlformats.org/presentationml/2006/main">
+  <p:cSld>
+    <p:spTree>
+      <p:nvGrpSpPr>
+        <p:cNvPr id="1" name=""/>
+        <p:cNvGrpSpPr/>
+        <p:nvPr/>
+      </p:nvGrpSpPr>
+      <p:grpSpPr>
+        <a:xfrm>
+          <a:off x="0" y="0"/>
+          <a:ext cx="0" cy="0"/>
+          <a:chOff x="0" y="0"/>
+          <a:chExt cx="0" cy="0"/>
+        </a:xfrm>
+      </p:grpSpPr>
+      <p:sp>
+        <p:nvSpPr>
+          <p:cNvPr id="18" name="Rectangle 17"/>
+          <p:cNvSpPr/>
+          <p:nvPr/>
+        </p:nvSpPr>
+        <p:spPr>
+          <a:xfrm>
+            <a:off x="3581400" y="14326"/>
+            <a:ext cx="1623837" cy="276999"/>
+          </a:xfrm>
+          <a:prstGeom prst="rect">
+            <a:avLst/>
+          </a:prstGeom>
+        </p:spPr>
+        <p:style>
+          <a:lnRef idx="1">
+            <a:schemeClr val="accent4"/>
+          </a:lnRef>
+          <a:fillRef idx="3">
+            <a:schemeClr val="accent4"/>
+          </a:fillRef>
+          <a:effectRef idx="2">
+            <a:schemeClr val="accent4"/>
+          </a:effectRef>
+          <a:fontRef idx="minor">
+            <a:schemeClr val="lt1"/>
+          </a:fontRef>
+        </p:style>
+        <p:txBody>
+          <a:bodyPr wrap="square">
+            <a:spAutoFit/>
+          </a:bodyPr>
+          <a:lstStyle/>
+          <a:p>
+            <a:pPr algn="ctr"/>
+            <a:r>
+              <a:rPr lang="en-US" sz="1200" dirty="0"/>
+              <a:t>Java </a:t>
+            </a:r>
+            <a:r>
+              <a:rPr lang="en-US" sz="1200" dirty="0" smtClean="0"/>
+              <a:t>InputStream class</a:t>
+            </a:r>
+            <a:endParaRPr lang="en-US" sz="1200" dirty="0"/>
+          </a:p>
+        </p:txBody>
+      </p:sp>
+      <p:sp>
+        <p:nvSpPr>
+          <p:cNvPr id="2" name="Rectangle 1"/>
+          <p:cNvSpPr/>
+          <p:nvPr/>
+        </p:nvSpPr>
+        <p:spPr>
+          <a:xfrm>
+            <a:off x="2286000" y="2191435"/>
+            <a:ext cx="4572000" cy="646331"/>
+          </a:xfrm>
+          <a:prstGeom prst="rect">
+            <a:avLst/>
+          </a:prstGeom>
+        </p:spPr>
+        <p:txBody>
+          <a:bodyPr>
+            <a:spAutoFit/>
+          </a:bodyPr>
+          <a:lstStyle/>
+          <a:p>
+            <a:r>
+              <a:rPr lang="en-US"/>
+              <a:t>https://docs.oracle.com/javase/8/docs/api/index.html?java/io/InputStream.html</a:t>
+            </a:r>
+          </a:p>
+        </p:txBody>
+      </p:sp>
+    </p:spTree>
+    <p:extLst>
+      <p:ext uri="{BB962C8B-B14F-4D97-AF65-F5344CB8AC3E}">
+        <p14:creationId xmlns:p14="http://schemas.microsoft.com/office/powerpoint/2010/main" val="328011008"/>
       </p:ext>
     </p:extLst>
   </p:cSld>
